--- a/sitepresentation/sitepresentation.pptx
+++ b/sitepresentation/sitepresentation.pptx
@@ -5,10 +5,10 @@
     <p:sldMasterId id="2147483648" r:id="rId1"/>
   </p:sldMasterIdLst>
   <p:notesMasterIdLst>
-    <p:notesMasterId r:id="rId10"/>
+    <p:notesMasterId r:id="rId13"/>
   </p:notesMasterIdLst>
   <p:handoutMasterIdLst>
-    <p:handoutMasterId r:id="rId11"/>
+    <p:handoutMasterId r:id="rId14"/>
   </p:handoutMasterIdLst>
   <p:sldIdLst>
     <p:sldId id="256" r:id="rId2"/>
@@ -19,6 +19,9 @@
     <p:sldId id="265" r:id="rId7"/>
     <p:sldId id="263" r:id="rId8"/>
     <p:sldId id="266" r:id="rId9"/>
+    <p:sldId id="267" r:id="rId10"/>
+    <p:sldId id="268" r:id="rId11"/>
+    <p:sldId id="269" r:id="rId12"/>
   </p:sldIdLst>
   <p:sldSz cx="12192000" cy="6858000"/>
   <p:notesSz cx="6858000" cy="9144000"/>
@@ -210,7 +213,7 @@
           <a:p>
             <a:fld id="{061C5132-FFA3-4B02-9F09-22FCF40EFA74}" type="datetimeFigureOut">
               <a:rPr lang="en-US" smtClean="0"/>
-              <a:t>2/4/2019</a:t>
+              <a:t>2/5/2019</a:t>
             </a:fld>
             <a:endParaRPr lang="en-US"/>
           </a:p>
@@ -375,7 +378,7 @@
           <a:p>
             <a:fld id="{0B6E42C9-243F-4DC5-AFF6-9D56B5FA9D63}" type="datetimeFigureOut">
               <a:rPr lang="en-US" smtClean="0"/>
-              <a:t>2/4/2019</a:t>
+              <a:t>2/5/2019</a:t>
             </a:fld>
             <a:endParaRPr lang="en-US"/>
           </a:p>
@@ -1418,7 +1421,7 @@
           <a:p>
             <a:fld id="{B0FE2824-C2A0-4931-BB32-60B24BDBB3CC}" type="datetimeFigureOut">
               <a:rPr lang="en-US" smtClean="0"/>
-              <a:t>2/4/2019</a:t>
+              <a:t>2/5/2019</a:t>
             </a:fld>
             <a:endParaRPr lang="en-US"/>
           </a:p>
@@ -1614,7 +1617,7 @@
           <a:p>
             <a:fld id="{B0FE2824-C2A0-4931-BB32-60B24BDBB3CC}" type="datetimeFigureOut">
               <a:rPr lang="en-US" smtClean="0"/>
-              <a:t>2/4/2019</a:t>
+              <a:t>2/5/2019</a:t>
             </a:fld>
             <a:endParaRPr lang="en-US"/>
           </a:p>
@@ -1796,7 +1799,7 @@
           <a:p>
             <a:fld id="{B0FE2824-C2A0-4931-BB32-60B24BDBB3CC}" type="datetimeFigureOut">
               <a:rPr lang="en-US" smtClean="0"/>
-              <a:t>2/4/2019</a:t>
+              <a:t>2/5/2019</a:t>
             </a:fld>
             <a:endParaRPr lang="en-US"/>
           </a:p>
@@ -2317,7 +2320,7 @@
           <a:p>
             <a:fld id="{B0FE2824-C2A0-4931-BB32-60B24BDBB3CC}" type="datetimeFigureOut">
               <a:rPr lang="en-US" smtClean="0"/>
-              <a:t>2/4/2019</a:t>
+              <a:t>2/5/2019</a:t>
             </a:fld>
             <a:endParaRPr lang="en-US"/>
           </a:p>
@@ -2761,7 +2764,7 @@
           <a:p>
             <a:fld id="{B0FE2824-C2A0-4931-BB32-60B24BDBB3CC}" type="datetimeFigureOut">
               <a:rPr lang="en-US" smtClean="0"/>
-              <a:t>2/4/2019</a:t>
+              <a:t>2/5/2019</a:t>
             </a:fld>
             <a:endParaRPr lang="en-US"/>
           </a:p>
@@ -2891,7 +2894,7 @@
           <a:p>
             <a:fld id="{B0FE2824-C2A0-4931-BB32-60B24BDBB3CC}" type="datetimeFigureOut">
               <a:rPr lang="en-US" smtClean="0"/>
-              <a:t>2/4/2019</a:t>
+              <a:t>2/5/2019</a:t>
             </a:fld>
             <a:endParaRPr lang="en-US"/>
           </a:p>
@@ -2998,7 +3001,7 @@
           <a:p>
             <a:fld id="{B0FE2824-C2A0-4931-BB32-60B24BDBB3CC}" type="datetimeFigureOut">
               <a:rPr lang="en-US" smtClean="0"/>
-              <a:t>2/4/2019</a:t>
+              <a:t>2/5/2019</a:t>
             </a:fld>
             <a:endParaRPr lang="en-US"/>
           </a:p>
@@ -3294,7 +3297,7 @@
           <a:p>
             <a:fld id="{B0FE2824-C2A0-4931-BB32-60B24BDBB3CC}" type="datetimeFigureOut">
               <a:rPr lang="en-US" smtClean="0"/>
-              <a:t>2/4/2019</a:t>
+              <a:t>2/5/2019</a:t>
             </a:fld>
             <a:endParaRPr lang="en-US"/>
           </a:p>
@@ -3568,7 +3571,7 @@
           <a:p>
             <a:fld id="{B0FE2824-C2A0-4931-BB32-60B24BDBB3CC}" type="datetimeFigureOut">
               <a:rPr lang="en-US" smtClean="0"/>
-              <a:t>2/4/2019</a:t>
+              <a:t>2/5/2019</a:t>
             </a:fld>
             <a:endParaRPr lang="en-US"/>
           </a:p>
@@ -3862,7 +3865,7 @@
             <a:fld id="{B0FE2824-C2A0-4931-BB32-60B24BDBB3CC}" type="datetimeFigureOut">
               <a:rPr lang="en-US" smtClean="0"/>
               <a:pPr/>
-              <a:t>2/4/2019</a:t>
+              <a:t>2/5/2019</a:t>
             </a:fld>
             <a:endParaRPr lang="en-US"/>
           </a:p>
@@ -4384,6 +4387,468 @@
 </p:sld>
 </file>
 
+<file path=ppt/slides/slide10.xml><?xml version="1.0" encoding="utf-8"?>
+<p:sld xmlns:a="http://schemas.openxmlformats.org/drawingml/2006/main" xmlns:r="http://schemas.openxmlformats.org/officeDocument/2006/relationships" xmlns:p="http://schemas.openxmlformats.org/presentationml/2006/main">
+  <p:cSld>
+    <p:spTree>
+      <p:nvGrpSpPr>
+        <p:cNvPr id="1" name=""/>
+        <p:cNvGrpSpPr/>
+        <p:nvPr/>
+      </p:nvGrpSpPr>
+      <p:grpSpPr>
+        <a:xfrm>
+          <a:off x="0" y="0"/>
+          <a:ext cx="0" cy="0"/>
+          <a:chOff x="0" y="0"/>
+          <a:chExt cx="0" cy="0"/>
+        </a:xfrm>
+      </p:grpSpPr>
+      <p:sp>
+        <p:nvSpPr>
+          <p:cNvPr id="2" name="Title 1"/>
+          <p:cNvSpPr>
+            <a:spLocks noGrp="1"/>
+          </p:cNvSpPr>
+          <p:nvPr>
+            <p:ph type="title"/>
+          </p:nvPr>
+        </p:nvSpPr>
+        <p:spPr/>
+        <p:txBody>
+          <a:bodyPr/>
+          <a:lstStyle/>
+          <a:p>
+            <a:r>
+              <a:rPr lang="en-US" dirty="0" smtClean="0"/>
+              <a:t>Old Creek Industrial Facility</a:t>
+            </a:r>
+            <a:endParaRPr lang="en-US" dirty="0"/>
+          </a:p>
+        </p:txBody>
+      </p:sp>
+      <p:sp>
+        <p:nvSpPr>
+          <p:cNvPr id="3" name="Text Placeholder 2"/>
+          <p:cNvSpPr>
+            <a:spLocks noGrp="1"/>
+          </p:cNvSpPr>
+          <p:nvPr>
+            <p:ph type="body" idx="1"/>
+          </p:nvPr>
+        </p:nvSpPr>
+        <p:spPr/>
+        <p:txBody>
+          <a:bodyPr/>
+          <a:lstStyle/>
+          <a:p>
+            <a:r>
+              <a:rPr lang="en-US" dirty="0" smtClean="0"/>
+              <a:t>Pros:</a:t>
+            </a:r>
+            <a:endParaRPr lang="en-US" dirty="0"/>
+          </a:p>
+        </p:txBody>
+      </p:sp>
+      <p:sp>
+        <p:nvSpPr>
+          <p:cNvPr id="4" name="Content Placeholder 3"/>
+          <p:cNvSpPr>
+            <a:spLocks noGrp="1"/>
+          </p:cNvSpPr>
+          <p:nvPr>
+            <p:ph sz="half" idx="2"/>
+          </p:nvPr>
+        </p:nvSpPr>
+        <p:spPr/>
+        <p:txBody>
+          <a:bodyPr>
+            <a:normAutofit lnSpcReduction="10000"/>
+          </a:bodyPr>
+          <a:lstStyle/>
+          <a:p>
+            <a:pPr>
+              <a:lnSpc>
+                <a:spcPct val="150000"/>
+              </a:lnSpc>
+            </a:pPr>
+            <a:r>
+              <a:rPr lang="en-US" dirty="0" smtClean="0"/>
+              <a:t>Low cost - $2.274 M</a:t>
+            </a:r>
+          </a:p>
+          <a:p>
+            <a:pPr>
+              <a:lnSpc>
+                <a:spcPct val="150000"/>
+              </a:lnSpc>
+            </a:pPr>
+            <a:r>
+              <a:rPr lang="en-US" dirty="0" smtClean="0"/>
+              <a:t>Relatively sparse surrounding population</a:t>
+            </a:r>
+          </a:p>
+          <a:p>
+            <a:pPr>
+              <a:lnSpc>
+                <a:spcPct val="150000"/>
+              </a:lnSpc>
+            </a:pPr>
+            <a:r>
+              <a:rPr lang="en-US" dirty="0" smtClean="0"/>
+              <a:t>Rail access nearby</a:t>
+            </a:r>
+          </a:p>
+          <a:p>
+            <a:pPr>
+              <a:lnSpc>
+                <a:spcPct val="150000"/>
+              </a:lnSpc>
+            </a:pPr>
+            <a:r>
+              <a:rPr lang="en-US" dirty="0" smtClean="0"/>
+              <a:t>No nearby large bodies of water</a:t>
+            </a:r>
+          </a:p>
+          <a:p>
+            <a:pPr>
+              <a:lnSpc>
+                <a:spcPct val="150000"/>
+              </a:lnSpc>
+            </a:pPr>
+            <a:r>
+              <a:rPr lang="en-US" dirty="0" smtClean="0"/>
+              <a:t>Partially zoned for industrial use</a:t>
+            </a:r>
+            <a:endParaRPr lang="en-US" dirty="0"/>
+          </a:p>
+        </p:txBody>
+      </p:sp>
+      <p:sp>
+        <p:nvSpPr>
+          <p:cNvPr id="5" name="Text Placeholder 4"/>
+          <p:cNvSpPr>
+            <a:spLocks noGrp="1"/>
+          </p:cNvSpPr>
+          <p:nvPr>
+            <p:ph type="body" sz="quarter" idx="3"/>
+          </p:nvPr>
+        </p:nvSpPr>
+        <p:spPr/>
+        <p:txBody>
+          <a:bodyPr/>
+          <a:lstStyle/>
+          <a:p>
+            <a:r>
+              <a:rPr lang="en-US" dirty="0" smtClean="0"/>
+              <a:t>Cons:</a:t>
+            </a:r>
+            <a:endParaRPr lang="en-US" dirty="0"/>
+          </a:p>
+        </p:txBody>
+      </p:sp>
+      <p:sp>
+        <p:nvSpPr>
+          <p:cNvPr id="6" name="Content Placeholder 5"/>
+          <p:cNvSpPr>
+            <a:spLocks noGrp="1"/>
+          </p:cNvSpPr>
+          <p:nvPr>
+            <p:ph sz="quarter" idx="4"/>
+          </p:nvPr>
+        </p:nvSpPr>
+        <p:spPr/>
+        <p:txBody>
+          <a:bodyPr/>
+          <a:lstStyle/>
+          <a:p>
+            <a:pPr>
+              <a:lnSpc>
+                <a:spcPct val="150000"/>
+              </a:lnSpc>
+            </a:pPr>
+            <a:r>
+              <a:rPr lang="en-US" dirty="0" smtClean="0"/>
+              <a:t>Small neighborhood nearby</a:t>
+            </a:r>
+          </a:p>
+          <a:p>
+            <a:pPr>
+              <a:lnSpc>
+                <a:spcPct val="150000"/>
+              </a:lnSpc>
+            </a:pPr>
+            <a:r>
+              <a:rPr lang="en-US" dirty="0" smtClean="0"/>
+              <a:t>Rezoning will be necessary</a:t>
+            </a:r>
+          </a:p>
+          <a:p>
+            <a:pPr>
+              <a:lnSpc>
+                <a:spcPct val="150000"/>
+              </a:lnSpc>
+            </a:pPr>
+            <a:r>
+              <a:rPr lang="en-US" dirty="0" smtClean="0"/>
+              <a:t>Closest Starbucks is more than 3 miles away</a:t>
+            </a:r>
+            <a:endParaRPr lang="en-US" dirty="0"/>
+          </a:p>
+        </p:txBody>
+      </p:sp>
+      <p:sp>
+        <p:nvSpPr>
+          <p:cNvPr id="7" name="AutoShape 2" descr="Image result for starbucks logo"/>
+          <p:cNvSpPr>
+            <a:spLocks noChangeAspect="1" noChangeArrowheads="1"/>
+          </p:cNvSpPr>
+          <p:nvPr/>
+        </p:nvSpPr>
+        <p:spPr bwMode="auto">
+          <a:xfrm>
+            <a:off x="155575" y="-144463"/>
+            <a:ext cx="304800" cy="304801"/>
+          </a:xfrm>
+          <a:prstGeom prst="rect">
+            <a:avLst/>
+          </a:prstGeom>
+          <a:noFill/>
+          <a:extLst>
+            <a:ext uri="{909E8E84-426E-40DD-AFC4-6F175D3DCCD1}">
+              <a14:hiddenFill xmlns:a14="http://schemas.microsoft.com/office/drawing/2010/main">
+                <a:solidFill>
+                  <a:srgbClr val="FFFFFF"/>
+                </a:solidFill>
+              </a14:hiddenFill>
+            </a:ext>
+          </a:extLst>
+        </p:spPr>
+        <p:txBody>
+          <a:bodyPr vert="horz" wrap="square" lIns="91440" tIns="45720" rIns="91440" bIns="45720" numCol="1" anchor="t" anchorCtr="0" compatLnSpc="1">
+            <a:prstTxWarp prst="textNoShape">
+              <a:avLst/>
+            </a:prstTxWarp>
+          </a:bodyPr>
+          <a:lstStyle/>
+          <a:p>
+            <a:endParaRPr lang="en-US"/>
+          </a:p>
+        </p:txBody>
+      </p:sp>
+    </p:spTree>
+    <p:extLst>
+      <p:ext uri="{BB962C8B-B14F-4D97-AF65-F5344CB8AC3E}">
+        <p14:creationId xmlns:p14="http://schemas.microsoft.com/office/powerpoint/2010/main" val="2965372748"/>
+      </p:ext>
+    </p:extLst>
+  </p:cSld>
+  <p:clrMapOvr>
+    <a:masterClrMapping/>
+  </p:clrMapOvr>
+  <mc:AlternateContent xmlns:mc="http://schemas.openxmlformats.org/markup-compatibility/2006" xmlns:p14="http://schemas.microsoft.com/office/powerpoint/2010/main">
+    <mc:Choice Requires="p14">
+      <p:transition spd="med" p14:dur="700">
+        <p:fade/>
+      </p:transition>
+    </mc:Choice>
+    <mc:Fallback xmlns="">
+      <p:transition spd="med">
+        <p:fade/>
+      </p:transition>
+    </mc:Fallback>
+  </mc:AlternateContent>
+</p:sld>
+</file>
+
+<file path=ppt/slides/slide11.xml><?xml version="1.0" encoding="utf-8"?>
+<p:sld xmlns:a="http://schemas.openxmlformats.org/drawingml/2006/main" xmlns:r="http://schemas.openxmlformats.org/officeDocument/2006/relationships" xmlns:p="http://schemas.openxmlformats.org/presentationml/2006/main">
+  <p:cSld>
+    <p:spTree>
+      <p:nvGrpSpPr>
+        <p:cNvPr id="1" name=""/>
+        <p:cNvGrpSpPr/>
+        <p:nvPr/>
+      </p:nvGrpSpPr>
+      <p:grpSpPr>
+        <a:xfrm>
+          <a:off x="0" y="0"/>
+          <a:ext cx="0" cy="0"/>
+          <a:chOff x="0" y="0"/>
+          <a:chExt cx="0" cy="0"/>
+        </a:xfrm>
+      </p:grpSpPr>
+      <p:sp>
+        <p:nvSpPr>
+          <p:cNvPr id="2" name="Title 1"/>
+          <p:cNvSpPr>
+            <a:spLocks noGrp="1"/>
+          </p:cNvSpPr>
+          <p:nvPr>
+            <p:ph type="title"/>
+          </p:nvPr>
+        </p:nvSpPr>
+        <p:spPr/>
+        <p:txBody>
+          <a:bodyPr/>
+          <a:lstStyle/>
+          <a:p>
+            <a:r>
+              <a:rPr lang="en-US" dirty="0" smtClean="0"/>
+              <a:t>Moving Forward</a:t>
+            </a:r>
+            <a:endParaRPr lang="en-US" dirty="0"/>
+          </a:p>
+        </p:txBody>
+      </p:sp>
+      <p:sp>
+        <p:nvSpPr>
+          <p:cNvPr id="3" name="Content Placeholder 2"/>
+          <p:cNvSpPr>
+            <a:spLocks noGrp="1"/>
+          </p:cNvSpPr>
+          <p:nvPr>
+            <p:ph sz="half" idx="1"/>
+          </p:nvPr>
+        </p:nvSpPr>
+        <p:spPr>
+          <a:xfrm>
+            <a:off x="838200" y="1825625"/>
+            <a:ext cx="5638800" cy="4351338"/>
+          </a:xfrm>
+        </p:spPr>
+        <p:txBody>
+          <a:bodyPr/>
+          <a:lstStyle/>
+          <a:p>
+            <a:pPr>
+              <a:lnSpc>
+                <a:spcPct val="200000"/>
+              </a:lnSpc>
+            </a:pPr>
+            <a:r>
+              <a:rPr lang="en-US" dirty="0" smtClean="0"/>
+              <a:t>Determine cost for rail line</a:t>
+            </a:r>
+          </a:p>
+          <a:p>
+            <a:pPr>
+              <a:lnSpc>
+                <a:spcPct val="200000"/>
+              </a:lnSpc>
+            </a:pPr>
+            <a:r>
+              <a:rPr lang="en-US" dirty="0" smtClean="0"/>
+              <a:t>Determine cost to hook up utilities</a:t>
+            </a:r>
+          </a:p>
+          <a:p>
+            <a:pPr>
+              <a:lnSpc>
+                <a:spcPct val="200000"/>
+              </a:lnSpc>
+            </a:pPr>
+            <a:r>
+              <a:rPr lang="en-US" dirty="0" smtClean="0"/>
+              <a:t>Determine transportation costs</a:t>
+            </a:r>
+          </a:p>
+          <a:p>
+            <a:pPr>
+              <a:lnSpc>
+                <a:spcPct val="200000"/>
+              </a:lnSpc>
+            </a:pPr>
+            <a:r>
+              <a:rPr lang="en-US" dirty="0" smtClean="0"/>
+              <a:t>Begin facility design and layout</a:t>
+            </a:r>
+          </a:p>
+          <a:p>
+            <a:pPr>
+              <a:lnSpc>
+                <a:spcPct val="200000"/>
+              </a:lnSpc>
+            </a:pPr>
+            <a:r>
+              <a:rPr lang="en-US" dirty="0" smtClean="0"/>
+              <a:t>Determine average wind speed/direction</a:t>
+            </a:r>
+            <a:endParaRPr lang="en-US" dirty="0"/>
+          </a:p>
+        </p:txBody>
+      </p:sp>
+      <p:pic>
+        <p:nvPicPr>
+          <p:cNvPr id="7" name="Picture 6"/>
+          <p:cNvPicPr>
+            <a:picLocks noChangeAspect="1"/>
+          </p:cNvPicPr>
+          <p:nvPr/>
+        </p:nvPicPr>
+        <p:blipFill>
+          <a:blip r:embed="rId2">
+            <a:extLst>
+              <a:ext uri="{28A0092B-C50C-407E-A947-70E740481C1C}">
+                <a14:useLocalDpi xmlns:a14="http://schemas.microsoft.com/office/drawing/2010/main" val="0"/>
+              </a:ext>
+            </a:extLst>
+          </a:blip>
+          <a:stretch>
+            <a:fillRect/>
+          </a:stretch>
+        </p:blipFill>
+        <p:spPr>
+          <a:xfrm>
+            <a:off x="7010400" y="1981200"/>
+            <a:ext cx="3486150" cy="2962275"/>
+          </a:xfrm>
+          <a:prstGeom prst="round2DiagRect">
+            <a:avLst>
+              <a:gd name="adj1" fmla="val 16667"/>
+              <a:gd name="adj2" fmla="val 0"/>
+            </a:avLst>
+          </a:prstGeom>
+          <a:ln w="88900" cap="sq">
+            <a:solidFill>
+              <a:schemeClr val="accent1"/>
+            </a:solidFill>
+            <a:miter lim="800000"/>
+          </a:ln>
+          <a:effectLst>
+            <a:outerShdw blurRad="254000" algn="tl" rotWithShape="0">
+              <a:srgbClr val="000000">
+                <a:alpha val="43000"/>
+              </a:srgbClr>
+            </a:outerShdw>
+          </a:effectLst>
+        </p:spPr>
+      </p:pic>
+    </p:spTree>
+    <p:extLst>
+      <p:ext uri="{BB962C8B-B14F-4D97-AF65-F5344CB8AC3E}">
+        <p14:creationId xmlns:p14="http://schemas.microsoft.com/office/powerpoint/2010/main" val="597855087"/>
+      </p:ext>
+    </p:extLst>
+  </p:cSld>
+  <p:clrMapOvr>
+    <a:masterClrMapping/>
+  </p:clrMapOvr>
+  <mc:AlternateContent xmlns:mc="http://schemas.openxmlformats.org/markup-compatibility/2006" xmlns:p14="http://schemas.microsoft.com/office/powerpoint/2010/main">
+    <mc:Choice Requires="p14">
+      <p:transition spd="med" p14:dur="700">
+        <p:fade/>
+      </p:transition>
+    </mc:Choice>
+    <mc:Fallback xmlns="">
+      <p:transition spd="med">
+        <p:fade/>
+      </p:transition>
+    </mc:Fallback>
+  </mc:AlternateContent>
+</p:sld>
+</file>
+
 <file path=ppt/slides/slide2.xml><?xml version="1.0" encoding="utf-8"?>
 <p:sld xmlns:a="http://schemas.openxmlformats.org/drawingml/2006/main" xmlns:r="http://schemas.openxmlformats.org/officeDocument/2006/relationships" xmlns:p="http://schemas.openxmlformats.org/presentationml/2006/main">
   <p:cSld>
@@ -4736,13 +5201,8 @@
           <a:p>
             <a:r>
               <a:rPr lang="en-US" dirty="0" smtClean="0"/>
-              <a:t>Low corporate </a:t>
-            </a:r>
-            <a:r>
-              <a:rPr lang="en-US" dirty="0" smtClean="0"/>
-              <a:t>tax rate</a:t>
-            </a:r>
-            <a:endParaRPr lang="en-US" dirty="0" smtClean="0"/>
+              <a:t>Low corporate tax rate</a:t>
+            </a:r>
           </a:p>
           <a:p>
             <a:r>
@@ -6434,7 +6894,7 @@
           <a:p>
             <a:r>
               <a:rPr lang="en-US" dirty="0" smtClean="0"/>
-              <a:t>{Put address here}</a:t>
+              <a:t>1906 Old Creak Road, Greenville NC</a:t>
             </a:r>
             <a:endParaRPr lang="en-US" dirty="0"/>
           </a:p>
@@ -6444,6 +6904,108 @@
     <p:extLst>
       <p:ext uri="{BB962C8B-B14F-4D97-AF65-F5344CB8AC3E}">
         <p14:creationId xmlns:p14="http://schemas.microsoft.com/office/powerpoint/2010/main" val="2082876144"/>
+      </p:ext>
+    </p:extLst>
+  </p:cSld>
+  <p:clrMapOvr>
+    <a:masterClrMapping/>
+  </p:clrMapOvr>
+  <mc:AlternateContent xmlns:mc="http://schemas.openxmlformats.org/markup-compatibility/2006" xmlns:p14="http://schemas.microsoft.com/office/powerpoint/2010/main">
+    <mc:Choice Requires="p14">
+      <p:transition spd="med" p14:dur="700">
+        <p:fade/>
+      </p:transition>
+    </mc:Choice>
+    <mc:Fallback xmlns="">
+      <p:transition spd="med">
+        <p:fade/>
+      </p:transition>
+    </mc:Fallback>
+  </mc:AlternateContent>
+</p:sld>
+</file>
+
+<file path=ppt/slides/slide9.xml><?xml version="1.0" encoding="utf-8"?>
+<p:sld xmlns:a="http://schemas.openxmlformats.org/drawingml/2006/main" xmlns:r="http://schemas.openxmlformats.org/officeDocument/2006/relationships" xmlns:p="http://schemas.openxmlformats.org/presentationml/2006/main">
+  <p:cSld>
+    <p:spTree>
+      <p:nvGrpSpPr>
+        <p:cNvPr id="1" name=""/>
+        <p:cNvGrpSpPr/>
+        <p:nvPr/>
+      </p:nvGrpSpPr>
+      <p:grpSpPr>
+        <a:xfrm>
+          <a:off x="0" y="0"/>
+          <a:ext cx="0" cy="0"/>
+          <a:chOff x="0" y="0"/>
+          <a:chExt cx="0" cy="0"/>
+        </a:xfrm>
+      </p:grpSpPr>
+      <p:pic>
+        <p:nvPicPr>
+          <p:cNvPr id="2" name="Picture 1"/>
+          <p:cNvPicPr>
+            <a:picLocks noChangeAspect="1"/>
+          </p:cNvPicPr>
+          <p:nvPr/>
+        </p:nvPicPr>
+        <p:blipFill>
+          <a:blip r:embed="rId2">
+            <a:extLst>
+              <a:ext uri="{28A0092B-C50C-407E-A947-70E740481C1C}">
+                <a14:useLocalDpi xmlns:a14="http://schemas.microsoft.com/office/drawing/2010/main" val="0"/>
+              </a:ext>
+            </a:extLst>
+          </a:blip>
+          <a:stretch>
+            <a:fillRect/>
+          </a:stretch>
+        </p:blipFill>
+        <p:spPr>
+          <a:xfrm>
+            <a:off x="1066800" y="533400"/>
+            <a:ext cx="9935818" cy="5573751"/>
+          </a:xfrm>
+          <a:prstGeom prst="rect">
+            <a:avLst/>
+          </a:prstGeom>
+        </p:spPr>
+      </p:pic>
+      <p:sp>
+        <p:nvSpPr>
+          <p:cNvPr id="3" name="TextBox 2"/>
+          <p:cNvSpPr txBox="1"/>
+          <p:nvPr/>
+        </p:nvSpPr>
+        <p:spPr>
+          <a:xfrm>
+            <a:off x="8839200" y="6172200"/>
+            <a:ext cx="2209800" cy="369332"/>
+          </a:xfrm>
+          <a:prstGeom prst="rect">
+            <a:avLst/>
+          </a:prstGeom>
+          <a:noFill/>
+        </p:spPr>
+        <p:txBody>
+          <a:bodyPr wrap="square" rtlCol="0">
+            <a:spAutoFit/>
+          </a:bodyPr>
+          <a:lstStyle/>
+          <a:p>
+            <a:r>
+              <a:rPr lang="en-US" dirty="0" smtClean="0"/>
+              <a:t>Landandfarm.com</a:t>
+            </a:r>
+            <a:endParaRPr lang="en-US" dirty="0"/>
+          </a:p>
+        </p:txBody>
+      </p:sp>
+    </p:spTree>
+    <p:extLst>
+      <p:ext uri="{BB962C8B-B14F-4D97-AF65-F5344CB8AC3E}">
+        <p14:creationId xmlns:p14="http://schemas.microsoft.com/office/powerpoint/2010/main" val="3092808207"/>
       </p:ext>
     </p:extLst>
   </p:cSld>

--- a/sitepresentation/sitepresentation.pptx
+++ b/sitepresentation/sitepresentation.pptx
@@ -213,7 +213,7 @@
           <a:p>
             <a:fld id="{061C5132-FFA3-4B02-9F09-22FCF40EFA74}" type="datetimeFigureOut">
               <a:rPr lang="en-US" smtClean="0"/>
-              <a:t>2/5/2019</a:t>
+              <a:t>2/6/2019</a:t>
             </a:fld>
             <a:endParaRPr lang="en-US"/>
           </a:p>
@@ -378,7 +378,7 @@
           <a:p>
             <a:fld id="{0B6E42C9-243F-4DC5-AFF6-9D56B5FA9D63}" type="datetimeFigureOut">
               <a:rPr lang="en-US" smtClean="0"/>
-              <a:t>2/5/2019</a:t>
+              <a:t>2/6/2019</a:t>
             </a:fld>
             <a:endParaRPr lang="en-US"/>
           </a:p>
@@ -1421,7 +1421,7 @@
           <a:p>
             <a:fld id="{B0FE2824-C2A0-4931-BB32-60B24BDBB3CC}" type="datetimeFigureOut">
               <a:rPr lang="en-US" smtClean="0"/>
-              <a:t>2/5/2019</a:t>
+              <a:t>2/6/2019</a:t>
             </a:fld>
             <a:endParaRPr lang="en-US"/>
           </a:p>
@@ -1617,7 +1617,7 @@
           <a:p>
             <a:fld id="{B0FE2824-C2A0-4931-BB32-60B24BDBB3CC}" type="datetimeFigureOut">
               <a:rPr lang="en-US" smtClean="0"/>
-              <a:t>2/5/2019</a:t>
+              <a:t>2/6/2019</a:t>
             </a:fld>
             <a:endParaRPr lang="en-US"/>
           </a:p>
@@ -1799,7 +1799,7 @@
           <a:p>
             <a:fld id="{B0FE2824-C2A0-4931-BB32-60B24BDBB3CC}" type="datetimeFigureOut">
               <a:rPr lang="en-US" smtClean="0"/>
-              <a:t>2/5/2019</a:t>
+              <a:t>2/6/2019</a:t>
             </a:fld>
             <a:endParaRPr lang="en-US"/>
           </a:p>
@@ -2320,7 +2320,7 @@
           <a:p>
             <a:fld id="{B0FE2824-C2A0-4931-BB32-60B24BDBB3CC}" type="datetimeFigureOut">
               <a:rPr lang="en-US" smtClean="0"/>
-              <a:t>2/5/2019</a:t>
+              <a:t>2/6/2019</a:t>
             </a:fld>
             <a:endParaRPr lang="en-US"/>
           </a:p>
@@ -2764,7 +2764,7 @@
           <a:p>
             <a:fld id="{B0FE2824-C2A0-4931-BB32-60B24BDBB3CC}" type="datetimeFigureOut">
               <a:rPr lang="en-US" smtClean="0"/>
-              <a:t>2/5/2019</a:t>
+              <a:t>2/6/2019</a:t>
             </a:fld>
             <a:endParaRPr lang="en-US"/>
           </a:p>
@@ -2894,7 +2894,7 @@
           <a:p>
             <a:fld id="{B0FE2824-C2A0-4931-BB32-60B24BDBB3CC}" type="datetimeFigureOut">
               <a:rPr lang="en-US" smtClean="0"/>
-              <a:t>2/5/2019</a:t>
+              <a:t>2/6/2019</a:t>
             </a:fld>
             <a:endParaRPr lang="en-US"/>
           </a:p>
@@ -3001,7 +3001,7 @@
           <a:p>
             <a:fld id="{B0FE2824-C2A0-4931-BB32-60B24BDBB3CC}" type="datetimeFigureOut">
               <a:rPr lang="en-US" smtClean="0"/>
-              <a:t>2/5/2019</a:t>
+              <a:t>2/6/2019</a:t>
             </a:fld>
             <a:endParaRPr lang="en-US"/>
           </a:p>
@@ -3297,7 +3297,7 @@
           <a:p>
             <a:fld id="{B0FE2824-C2A0-4931-BB32-60B24BDBB3CC}" type="datetimeFigureOut">
               <a:rPr lang="en-US" smtClean="0"/>
-              <a:t>2/5/2019</a:t>
+              <a:t>2/6/2019</a:t>
             </a:fld>
             <a:endParaRPr lang="en-US"/>
           </a:p>
@@ -3571,7 +3571,7 @@
           <a:p>
             <a:fld id="{B0FE2824-C2A0-4931-BB32-60B24BDBB3CC}" type="datetimeFigureOut">
               <a:rPr lang="en-US" smtClean="0"/>
-              <a:t>2/5/2019</a:t>
+              <a:t>2/6/2019</a:t>
             </a:fld>
             <a:endParaRPr lang="en-US"/>
           </a:p>
@@ -3865,7 +3865,7 @@
             <a:fld id="{B0FE2824-C2A0-4931-BB32-60B24BDBB3CC}" type="datetimeFigureOut">
               <a:rPr lang="en-US" smtClean="0"/>
               <a:pPr/>
-              <a:t>2/5/2019</a:t>
+              <a:t>2/6/2019</a:t>
             </a:fld>
             <a:endParaRPr lang="en-US"/>
           </a:p>
@@ -6308,8 +6308,13 @@
             </a:pPr>
             <a:r>
               <a:rPr lang="en-US" dirty="0" smtClean="0"/>
-              <a:t>Access to auxiliary suppliers/consumers</a:t>
-            </a:r>
+              <a:t>Access to </a:t>
+            </a:r>
+            <a:r>
+              <a:rPr lang="en-US" dirty="0" smtClean="0"/>
+              <a:t>International suppliers/consumers</a:t>
+            </a:r>
+            <a:endParaRPr lang="en-US" dirty="0" smtClean="0"/>
           </a:p>
           <a:p>
             <a:pPr>
@@ -6341,8 +6346,17 @@
             </a:pPr>
             <a:r>
               <a:rPr lang="en-US" dirty="0" smtClean="0"/>
-              <a:t>Some hurricane risk</a:t>
-            </a:r>
+              <a:t>Some </a:t>
+            </a:r>
+            <a:r>
+              <a:rPr lang="en-US" smtClean="0"/>
+              <a:t>hurricane </a:t>
+            </a:r>
+            <a:r>
+              <a:rPr lang="en-US" smtClean="0"/>
+              <a:t>risk</a:t>
+            </a:r>
+            <a:endParaRPr lang="en-US" dirty="0" smtClean="0"/>
           </a:p>
           <a:p>
             <a:endParaRPr lang="en-US" dirty="0" smtClean="0"/>
